--- a/2019/Q1/react-redux/redux.pptx
+++ b/2019/Q1/react-redux/redux.pptx
@@ -5,18 +5,16 @@
     <p:sldMasterId id="2147483648" r:id="rId1"/>
   </p:sldMasterIdLst>
   <p:notesMasterIdLst>
-    <p:notesMasterId r:id="rId11"/>
+    <p:notesMasterId r:id="rId9"/>
   </p:notesMasterIdLst>
   <p:sldIdLst>
     <p:sldId id="256" r:id="rId2"/>
     <p:sldId id="259" r:id="rId3"/>
-    <p:sldId id="261" r:id="rId4"/>
-    <p:sldId id="258" r:id="rId5"/>
-    <p:sldId id="263" r:id="rId6"/>
-    <p:sldId id="264" r:id="rId7"/>
-    <p:sldId id="265" r:id="rId8"/>
-    <p:sldId id="257" r:id="rId9"/>
-    <p:sldId id="262" r:id="rId10"/>
+    <p:sldId id="263" r:id="rId4"/>
+    <p:sldId id="264" r:id="rId5"/>
+    <p:sldId id="265" r:id="rId6"/>
+    <p:sldId id="257" r:id="rId7"/>
+    <p:sldId id="262" r:id="rId8"/>
   </p:sldIdLst>
   <p:sldSz cx="12192000" cy="6858000"/>
   <p:notesSz cx="6858000" cy="9144000"/>
@@ -557,94 +555,6 @@
     <p:extLst>
       <p:ext uri="{BB962C8B-B14F-4D97-AF65-F5344CB8AC3E}">
         <p14:creationId xmlns:p14="http://schemas.microsoft.com/office/powerpoint/2010/main" val="1591632198"/>
-      </p:ext>
-    </p:extLst>
-  </p:cSld>
-  <p:clrMapOvr>
-    <a:masterClrMapping/>
-  </p:clrMapOvr>
-</p:notes>
-</file>
-
-<file path=ppt/notesSlides/notesSlide2.xml><?xml version="1.0" encoding="utf-8"?>
-<p:notes xmlns:a="http://schemas.openxmlformats.org/drawingml/2006/main" xmlns:r="http://schemas.openxmlformats.org/officeDocument/2006/relationships" xmlns:p="http://schemas.openxmlformats.org/presentationml/2006/main">
-  <p:cSld>
-    <p:spTree>
-      <p:nvGrpSpPr>
-        <p:cNvPr id="1" name=""/>
-        <p:cNvGrpSpPr/>
-        <p:nvPr/>
-      </p:nvGrpSpPr>
-      <p:grpSpPr>
-        <a:xfrm>
-          <a:off x="0" y="0"/>
-          <a:ext cx="0" cy="0"/>
-          <a:chOff x="0" y="0"/>
-          <a:chExt cx="0" cy="0"/>
-        </a:xfrm>
-      </p:grpSpPr>
-      <p:sp>
-        <p:nvSpPr>
-          <p:cNvPr id="2" name="投影片影像版面配置區 1"/>
-          <p:cNvSpPr>
-            <a:spLocks noGrp="1" noRot="1" noChangeAspect="1"/>
-          </p:cNvSpPr>
-          <p:nvPr>
-            <p:ph type="sldImg"/>
-          </p:nvPr>
-        </p:nvSpPr>
-        <p:spPr/>
-      </p:sp>
-      <p:sp>
-        <p:nvSpPr>
-          <p:cNvPr id="3" name="備忘稿版面配置區 2"/>
-          <p:cNvSpPr>
-            <a:spLocks noGrp="1"/>
-          </p:cNvSpPr>
-          <p:nvPr>
-            <p:ph type="body" idx="1"/>
-          </p:nvPr>
-        </p:nvSpPr>
-        <p:spPr/>
-        <p:txBody>
-          <a:bodyPr/>
-          <a:lstStyle/>
-          <a:p>
-            <a:r>
-              <a:rPr lang="en-US" altLang="zh-TW" dirty="0"/>
-              <a:t>https://itnext.io/integrating-semantic-ui-modal-with-redux-4df36abb755c</a:t>
-            </a:r>
-            <a:endParaRPr lang="zh-TW" altLang="en-US" dirty="0"/>
-          </a:p>
-        </p:txBody>
-      </p:sp>
-      <p:sp>
-        <p:nvSpPr>
-          <p:cNvPr id="4" name="投影片編號版面配置區 3"/>
-          <p:cNvSpPr>
-            <a:spLocks noGrp="1"/>
-          </p:cNvSpPr>
-          <p:nvPr>
-            <p:ph type="sldNum" sz="quarter" idx="10"/>
-          </p:nvPr>
-        </p:nvSpPr>
-        <p:spPr/>
-        <p:txBody>
-          <a:bodyPr/>
-          <a:lstStyle/>
-          <a:p>
-            <a:fld id="{02868991-8759-41ED-A648-5B80D957D231}" type="slidenum">
-              <a:rPr lang="zh-TW" altLang="en-US" smtClean="0"/>
-              <a:t>4</a:t>
-            </a:fld>
-            <a:endParaRPr lang="zh-TW" altLang="en-US"/>
-          </a:p>
-        </p:txBody>
-      </p:sp>
-    </p:spTree>
-    <p:extLst>
-      <p:ext uri="{BB962C8B-B14F-4D97-AF65-F5344CB8AC3E}">
-        <p14:creationId xmlns:p14="http://schemas.microsoft.com/office/powerpoint/2010/main" val="2401891661"/>
       </p:ext>
     </p:extLst>
   </p:cSld>
@@ -4159,7 +4069,7 @@
           <p:cNvPr id="2" name="標題 1">
             <a:extLst>
               <a:ext uri="{FF2B5EF4-FFF2-40B4-BE49-F238E27FC236}">
-                <a16:creationId xmlns:a16="http://schemas.microsoft.com/office/drawing/2014/main" id="{5CA4FF99-736C-41F4-8073-04DA7A86AB40}"/>
+                <a16:creationId xmlns:a16="http://schemas.microsoft.com/office/drawing/2014/main" id="{0E1FE758-A985-422B-A623-5A022E283435}"/>
               </a:ext>
             </a:extLst>
           </p:cNvPr>
@@ -4179,39 +4089,45 @@
           </a:p>
         </p:txBody>
       </p:sp>
-      <p:sp>
-        <p:nvSpPr>
-          <p:cNvPr id="3" name="內容版面配置區 2">
-            <a:extLst>
-              <a:ext uri="{FF2B5EF4-FFF2-40B4-BE49-F238E27FC236}">
-                <a16:creationId xmlns:a16="http://schemas.microsoft.com/office/drawing/2014/main" id="{1C54794A-0C77-418D-B0F4-9D8EF3CFB86E}"/>
-              </a:ext>
-            </a:extLst>
-          </p:cNvPr>
-          <p:cNvSpPr>
-            <a:spLocks noGrp="1"/>
-          </p:cNvSpPr>
+      <p:pic>
+        <p:nvPicPr>
+          <p:cNvPr id="5" name="內容版面配置區 4">
+            <a:extLst>
+              <a:ext uri="{FF2B5EF4-FFF2-40B4-BE49-F238E27FC236}">
+                <a16:creationId xmlns:a16="http://schemas.microsoft.com/office/drawing/2014/main" id="{C6CEC48E-5A12-4322-87D0-8E3EFC779A55}"/>
+              </a:ext>
+            </a:extLst>
+          </p:cNvPr>
+          <p:cNvPicPr>
+            <a:picLocks noGrp="1" noChangeAspect="1"/>
+          </p:cNvPicPr>
           <p:nvPr>
             <p:ph idx="1"/>
           </p:nvPr>
-        </p:nvSpPr>
-        <p:spPr/>
-        <p:txBody>
-          <a:bodyPr/>
-          <a:lstStyle/>
-          <a:p>
-            <a:r>
-              <a:rPr lang="en-US" altLang="zh-TW" dirty="0"/>
-              <a:t>http://chentsulin.github.io/redux/docs/basics/Store.html</a:t>
-            </a:r>
-            <a:endParaRPr lang="zh-TW" altLang="en-US" dirty="0"/>
-          </a:p>
-        </p:txBody>
-      </p:sp>
+        </p:nvPicPr>
+        <p:blipFill>
+          <a:blip r:embed="rId2">
+            <a:extLst>
+              <a:ext uri="{28A0092B-C50C-407E-A947-70E740481C1C}">
+                <a14:useLocalDpi xmlns:a14="http://schemas.microsoft.com/office/drawing/2010/main" val="0"/>
+              </a:ext>
+            </a:extLst>
+          </a:blip>
+          <a:stretch>
+            <a:fillRect/>
+          </a:stretch>
+        </p:blipFill>
+        <p:spPr>
+          <a:xfrm>
+            <a:off x="399344" y="535438"/>
+            <a:ext cx="10332156" cy="5811838"/>
+          </a:xfrm>
+        </p:spPr>
+      </p:pic>
     </p:spTree>
     <p:extLst>
       <p:ext uri="{BB962C8B-B14F-4D97-AF65-F5344CB8AC3E}">
-        <p14:creationId xmlns:p14="http://schemas.microsoft.com/office/powerpoint/2010/main" val="3026724871"/>
+        <p14:creationId xmlns:p14="http://schemas.microsoft.com/office/powerpoint/2010/main" val="4241281276"/>
       </p:ext>
     </p:extLst>
   </p:cSld>
@@ -4243,7 +4159,7 @@
           <p:cNvPr id="2" name="標題 1">
             <a:extLst>
               <a:ext uri="{FF2B5EF4-FFF2-40B4-BE49-F238E27FC236}">
-                <a16:creationId xmlns:a16="http://schemas.microsoft.com/office/drawing/2014/main" id="{330274C4-14E4-4695-84E2-864891876962}"/>
+                <a16:creationId xmlns:a16="http://schemas.microsoft.com/office/drawing/2014/main" id="{FA72EE57-C82C-4342-BFDF-E274CEB4B6E3}"/>
               </a:ext>
             </a:extLst>
           </p:cNvPr>
@@ -4261,15 +4177,7 @@
           <a:p>
             <a:r>
               <a:rPr lang="en-US" altLang="zh-TW" dirty="0"/>
-              <a:t>LIFE</a:t>
-            </a:r>
-            <a:r>
-              <a:rPr lang="zh-TW" altLang="en-US" dirty="0"/>
-              <a:t> </a:t>
-            </a:r>
-            <a:r>
-              <a:rPr lang="en-US" altLang="zh-TW" dirty="0"/>
-              <a:t>CYCLE</a:t>
+              <a:t>middleware</a:t>
             </a:r>
             <a:endParaRPr lang="zh-TW" altLang="en-US" dirty="0"/>
           </a:p>
@@ -4277,10 +4185,10 @@
       </p:sp>
       <p:pic>
         <p:nvPicPr>
-          <p:cNvPr id="5" name="內容版面配置區 4">
-            <a:extLst>
-              <a:ext uri="{FF2B5EF4-FFF2-40B4-BE49-F238E27FC236}">
-                <a16:creationId xmlns:a16="http://schemas.microsoft.com/office/drawing/2014/main" id="{B7F43F0A-84B9-4102-B72E-BF297A8504C5}"/>
+          <p:cNvPr id="9" name="內容版面配置區 8">
+            <a:extLst>
+              <a:ext uri="{FF2B5EF4-FFF2-40B4-BE49-F238E27FC236}">
+                <a16:creationId xmlns:a16="http://schemas.microsoft.com/office/drawing/2014/main" id="{5E24B68C-6BCB-412D-8E86-4C68F5F7854B}"/>
               </a:ext>
             </a:extLst>
           </p:cNvPr>
@@ -4292,7 +4200,7 @@
           </p:nvPr>
         </p:nvPicPr>
         <p:blipFill>
-          <a:blip r:embed="rId3">
+          <a:blip r:embed="rId2">
             <a:extLst>
               <a:ext uri="{28A0092B-C50C-407E-A947-70E740481C1C}">
                 <a14:useLocalDpi xmlns:a14="http://schemas.microsoft.com/office/drawing/2010/main" val="0"/>
@@ -4305,15 +4213,15 @@
         </p:blipFill>
         <p:spPr>
           <a:xfrm>
-            <a:off x="2032098" y="1825625"/>
-            <a:ext cx="8127804" cy="4351338"/>
+            <a:off x="2228144" y="1825625"/>
+            <a:ext cx="7735712" cy="4351338"/>
           </a:xfrm>
         </p:spPr>
       </p:pic>
     </p:spTree>
     <p:extLst>
       <p:ext uri="{BB962C8B-B14F-4D97-AF65-F5344CB8AC3E}">
-        <p14:creationId xmlns:p14="http://schemas.microsoft.com/office/powerpoint/2010/main" val="1927687809"/>
+        <p14:creationId xmlns:p14="http://schemas.microsoft.com/office/powerpoint/2010/main" val="466901111"/>
       </p:ext>
     </p:extLst>
   </p:cSld>
@@ -4345,7 +4253,7 @@
           <p:cNvPr id="2" name="標題 1">
             <a:extLst>
               <a:ext uri="{FF2B5EF4-FFF2-40B4-BE49-F238E27FC236}">
-                <a16:creationId xmlns:a16="http://schemas.microsoft.com/office/drawing/2014/main" id="{0E1FE758-A985-422B-A623-5A022E283435}"/>
+                <a16:creationId xmlns:a16="http://schemas.microsoft.com/office/drawing/2014/main" id="{1C988BCB-D05B-4DC1-A3E1-43889D08C6E8}"/>
               </a:ext>
             </a:extLst>
           </p:cNvPr>
@@ -4361,49 +4269,56 @@
           <a:bodyPr/>
           <a:lstStyle/>
           <a:p>
+            <a:r>
+              <a:rPr lang="en-US" altLang="zh-TW" dirty="0"/>
+              <a:t>redux-</a:t>
+            </a:r>
+            <a:r>
+              <a:rPr lang="en-US" altLang="zh-TW" dirty="0" err="1"/>
+              <a:t>thunk</a:t>
+            </a:r>
             <a:endParaRPr lang="zh-TW" altLang="en-US" dirty="0"/>
           </a:p>
         </p:txBody>
       </p:sp>
-      <p:pic>
-        <p:nvPicPr>
-          <p:cNvPr id="5" name="內容版面配置區 4">
-            <a:extLst>
-              <a:ext uri="{FF2B5EF4-FFF2-40B4-BE49-F238E27FC236}">
-                <a16:creationId xmlns:a16="http://schemas.microsoft.com/office/drawing/2014/main" id="{C6CEC48E-5A12-4322-87D0-8E3EFC779A55}"/>
-              </a:ext>
-            </a:extLst>
-          </p:cNvPr>
-          <p:cNvPicPr>
-            <a:picLocks noGrp="1" noChangeAspect="1"/>
-          </p:cNvPicPr>
+      <p:sp>
+        <p:nvSpPr>
+          <p:cNvPr id="3" name="內容版面配置區 2">
+            <a:extLst>
+              <a:ext uri="{FF2B5EF4-FFF2-40B4-BE49-F238E27FC236}">
+                <a16:creationId xmlns:a16="http://schemas.microsoft.com/office/drawing/2014/main" id="{A5A2AA40-E530-4B36-A521-64A8A6ED6AA6}"/>
+              </a:ext>
+            </a:extLst>
+          </p:cNvPr>
+          <p:cNvSpPr>
+            <a:spLocks noGrp="1"/>
+          </p:cNvSpPr>
           <p:nvPr>
             <p:ph idx="1"/>
           </p:nvPr>
-        </p:nvPicPr>
-        <p:blipFill>
-          <a:blip r:embed="rId2">
-            <a:extLst>
-              <a:ext uri="{28A0092B-C50C-407E-A947-70E740481C1C}">
-                <a14:useLocalDpi xmlns:a14="http://schemas.microsoft.com/office/drawing/2010/main" val="0"/>
-              </a:ext>
-            </a:extLst>
-          </a:blip>
-          <a:stretch>
-            <a:fillRect/>
-          </a:stretch>
-        </p:blipFill>
-        <p:spPr>
-          <a:xfrm>
-            <a:off x="2228144" y="1825625"/>
-            <a:ext cx="7735712" cy="4351338"/>
-          </a:xfrm>
-        </p:spPr>
-      </p:pic>
+        </p:nvSpPr>
+        <p:spPr/>
+        <p:txBody>
+          <a:bodyPr/>
+          <a:lstStyle/>
+          <a:p>
+            <a:r>
+              <a:rPr lang="en-US" altLang="zh-TW" b="1" dirty="0"/>
+              <a:t>Async Action</a:t>
+            </a:r>
+          </a:p>
+          <a:p>
+            <a:endParaRPr lang="en-US" altLang="zh-TW" dirty="0"/>
+          </a:p>
+          <a:p>
+            <a:endParaRPr lang="zh-TW" altLang="en-US" dirty="0"/>
+          </a:p>
+        </p:txBody>
+      </p:sp>
     </p:spTree>
     <p:extLst>
       <p:ext uri="{BB962C8B-B14F-4D97-AF65-F5344CB8AC3E}">
-        <p14:creationId xmlns:p14="http://schemas.microsoft.com/office/powerpoint/2010/main" val="4241281276"/>
+        <p14:creationId xmlns:p14="http://schemas.microsoft.com/office/powerpoint/2010/main" val="2480840675"/>
       </p:ext>
     </p:extLst>
   </p:cSld>
@@ -4435,7 +4350,7 @@
           <p:cNvPr id="2" name="標題 1">
             <a:extLst>
               <a:ext uri="{FF2B5EF4-FFF2-40B4-BE49-F238E27FC236}">
-                <a16:creationId xmlns:a16="http://schemas.microsoft.com/office/drawing/2014/main" id="{FA72EE57-C82C-4342-BFDF-E274CEB4B6E3}"/>
+                <a16:creationId xmlns:a16="http://schemas.microsoft.com/office/drawing/2014/main" id="{2692C28F-FB15-4ABB-A5C9-69E376BDF7E2}"/>
               </a:ext>
             </a:extLst>
           </p:cNvPr>
@@ -4453,51 +4368,57 @@
           <a:p>
             <a:r>
               <a:rPr lang="en-US" altLang="zh-TW" dirty="0"/>
-              <a:t>middleware</a:t>
+              <a:t>React-redux</a:t>
             </a:r>
             <a:endParaRPr lang="zh-TW" altLang="en-US" dirty="0"/>
           </a:p>
         </p:txBody>
       </p:sp>
-      <p:pic>
-        <p:nvPicPr>
-          <p:cNvPr id="9" name="內容版面配置區 8">
-            <a:extLst>
-              <a:ext uri="{FF2B5EF4-FFF2-40B4-BE49-F238E27FC236}">
-                <a16:creationId xmlns:a16="http://schemas.microsoft.com/office/drawing/2014/main" id="{5E24B68C-6BCB-412D-8E86-4C68F5F7854B}"/>
-              </a:ext>
-            </a:extLst>
-          </p:cNvPr>
-          <p:cNvPicPr>
-            <a:picLocks noGrp="1" noChangeAspect="1"/>
-          </p:cNvPicPr>
+      <p:sp>
+        <p:nvSpPr>
+          <p:cNvPr id="3" name="內容版面配置區 2">
+            <a:extLst>
+              <a:ext uri="{FF2B5EF4-FFF2-40B4-BE49-F238E27FC236}">
+                <a16:creationId xmlns:a16="http://schemas.microsoft.com/office/drawing/2014/main" id="{52445D8C-5ACD-45A7-93C1-96089409CFBA}"/>
+              </a:ext>
+            </a:extLst>
+          </p:cNvPr>
+          <p:cNvSpPr>
+            <a:spLocks noGrp="1"/>
+          </p:cNvSpPr>
           <p:nvPr>
             <p:ph idx="1"/>
           </p:nvPr>
-        </p:nvPicPr>
-        <p:blipFill>
-          <a:blip r:embed="rId2">
-            <a:extLst>
-              <a:ext uri="{28A0092B-C50C-407E-A947-70E740481C1C}">
-                <a14:useLocalDpi xmlns:a14="http://schemas.microsoft.com/office/drawing/2010/main" val="0"/>
-              </a:ext>
-            </a:extLst>
-          </a:blip>
-          <a:stretch>
-            <a:fillRect/>
-          </a:stretch>
-        </p:blipFill>
-        <p:spPr>
-          <a:xfrm>
-            <a:off x="2228144" y="1825625"/>
-            <a:ext cx="7735712" cy="4351338"/>
-          </a:xfrm>
-        </p:spPr>
-      </p:pic>
+        </p:nvSpPr>
+        <p:spPr/>
+        <p:txBody>
+          <a:bodyPr/>
+          <a:lstStyle/>
+          <a:p>
+            <a:r>
+              <a:rPr lang="en-US" altLang="zh-TW" dirty="0"/>
+              <a:t>Provider</a:t>
+            </a:r>
+          </a:p>
+          <a:p>
+            <a:r>
+              <a:rPr lang="en-US" altLang="zh-TW" dirty="0"/>
+              <a:t>Connect</a:t>
+            </a:r>
+          </a:p>
+          <a:p>
+            <a:r>
+              <a:rPr lang="en-US" altLang="zh-TW" dirty="0" err="1"/>
+              <a:t>mapStateToProps</a:t>
+            </a:r>
+            <a:endParaRPr lang="zh-TW" altLang="en-US" dirty="0"/>
+          </a:p>
+        </p:txBody>
+      </p:sp>
     </p:spTree>
     <p:extLst>
       <p:ext uri="{BB962C8B-B14F-4D97-AF65-F5344CB8AC3E}">
-        <p14:creationId xmlns:p14="http://schemas.microsoft.com/office/powerpoint/2010/main" val="466901111"/>
+        <p14:creationId xmlns:p14="http://schemas.microsoft.com/office/powerpoint/2010/main" val="760369392"/>
       </p:ext>
     </p:extLst>
   </p:cSld>
@@ -4529,7 +4450,7 @@
           <p:cNvPr id="2" name="標題 1">
             <a:extLst>
               <a:ext uri="{FF2B5EF4-FFF2-40B4-BE49-F238E27FC236}">
-                <a16:creationId xmlns:a16="http://schemas.microsoft.com/office/drawing/2014/main" id="{1C988BCB-D05B-4DC1-A3E1-43889D08C6E8}"/>
+                <a16:creationId xmlns:a16="http://schemas.microsoft.com/office/drawing/2014/main" id="{CEEDD4F0-E4AE-4C42-AD0E-65F2294648C4}"/>
               </a:ext>
             </a:extLst>
           </p:cNvPr>
@@ -4546,203 +4467,14 @@
           <a:lstStyle/>
           <a:p>
             <a:r>
+              <a:rPr lang="en-US" altLang="zh-TW" dirty="0" err="1"/>
+              <a:t>Npm</a:t>
+            </a:r>
+            <a:r>
               <a:rPr lang="en-US" altLang="zh-TW" dirty="0"/>
-              <a:t>redux-</a:t>
-            </a:r>
-            <a:r>
-              <a:rPr lang="en-US" altLang="zh-TW" dirty="0" err="1"/>
-              <a:t>thunk</a:t>
+              <a:t> install</a:t>
             </a:r>
             <a:endParaRPr lang="zh-TW" altLang="en-US" dirty="0"/>
-          </a:p>
-        </p:txBody>
-      </p:sp>
-      <p:sp>
-        <p:nvSpPr>
-          <p:cNvPr id="3" name="內容版面配置區 2">
-            <a:extLst>
-              <a:ext uri="{FF2B5EF4-FFF2-40B4-BE49-F238E27FC236}">
-                <a16:creationId xmlns:a16="http://schemas.microsoft.com/office/drawing/2014/main" id="{A5A2AA40-E530-4B36-A521-64A8A6ED6AA6}"/>
-              </a:ext>
-            </a:extLst>
-          </p:cNvPr>
-          <p:cNvSpPr>
-            <a:spLocks noGrp="1"/>
-          </p:cNvSpPr>
-          <p:nvPr>
-            <p:ph idx="1"/>
-          </p:nvPr>
-        </p:nvSpPr>
-        <p:spPr/>
-        <p:txBody>
-          <a:bodyPr/>
-          <a:lstStyle/>
-          <a:p>
-            <a:r>
-              <a:rPr lang="en-US" altLang="zh-TW" b="1" dirty="0"/>
-              <a:t>Async Action</a:t>
-            </a:r>
-          </a:p>
-          <a:p>
-            <a:endParaRPr lang="en-US" altLang="zh-TW" dirty="0"/>
-          </a:p>
-          <a:p>
-            <a:endParaRPr lang="zh-TW" altLang="en-US" dirty="0"/>
-          </a:p>
-        </p:txBody>
-      </p:sp>
-    </p:spTree>
-    <p:extLst>
-      <p:ext uri="{BB962C8B-B14F-4D97-AF65-F5344CB8AC3E}">
-        <p14:creationId xmlns:p14="http://schemas.microsoft.com/office/powerpoint/2010/main" val="2480840675"/>
-      </p:ext>
-    </p:extLst>
-  </p:cSld>
-  <p:clrMapOvr>
-    <a:masterClrMapping/>
-  </p:clrMapOvr>
-</p:sld>
-</file>
-
-<file path=ppt/slides/slide8.xml><?xml version="1.0" encoding="utf-8"?>
-<p:sld xmlns:a="http://schemas.openxmlformats.org/drawingml/2006/main" xmlns:r="http://schemas.openxmlformats.org/officeDocument/2006/relationships" xmlns:p="http://schemas.openxmlformats.org/presentationml/2006/main">
-  <p:cSld>
-    <p:spTree>
-      <p:nvGrpSpPr>
-        <p:cNvPr id="1" name=""/>
-        <p:cNvGrpSpPr/>
-        <p:nvPr/>
-      </p:nvGrpSpPr>
-      <p:grpSpPr>
-        <a:xfrm>
-          <a:off x="0" y="0"/>
-          <a:ext cx="0" cy="0"/>
-          <a:chOff x="0" y="0"/>
-          <a:chExt cx="0" cy="0"/>
-        </a:xfrm>
-      </p:grpSpPr>
-      <p:sp>
-        <p:nvSpPr>
-          <p:cNvPr id="2" name="標題 1">
-            <a:extLst>
-              <a:ext uri="{FF2B5EF4-FFF2-40B4-BE49-F238E27FC236}">
-                <a16:creationId xmlns:a16="http://schemas.microsoft.com/office/drawing/2014/main" id="{2692C28F-FB15-4ABB-A5C9-69E376BDF7E2}"/>
-              </a:ext>
-            </a:extLst>
-          </p:cNvPr>
-          <p:cNvSpPr>
-            <a:spLocks noGrp="1"/>
-          </p:cNvSpPr>
-          <p:nvPr>
-            <p:ph type="title"/>
-          </p:nvPr>
-        </p:nvSpPr>
-        <p:spPr/>
-        <p:txBody>
-          <a:bodyPr/>
-          <a:lstStyle/>
-          <a:p>
-            <a:r>
-              <a:rPr lang="en-US" altLang="zh-TW" dirty="0"/>
-              <a:t>React-redux</a:t>
-            </a:r>
-            <a:endParaRPr lang="zh-TW" altLang="en-US" dirty="0"/>
-          </a:p>
-        </p:txBody>
-      </p:sp>
-      <p:sp>
-        <p:nvSpPr>
-          <p:cNvPr id="3" name="內容版面配置區 2">
-            <a:extLst>
-              <a:ext uri="{FF2B5EF4-FFF2-40B4-BE49-F238E27FC236}">
-                <a16:creationId xmlns:a16="http://schemas.microsoft.com/office/drawing/2014/main" id="{52445D8C-5ACD-45A7-93C1-96089409CFBA}"/>
-              </a:ext>
-            </a:extLst>
-          </p:cNvPr>
-          <p:cNvSpPr>
-            <a:spLocks noGrp="1"/>
-          </p:cNvSpPr>
-          <p:nvPr>
-            <p:ph idx="1"/>
-          </p:nvPr>
-        </p:nvSpPr>
-        <p:spPr/>
-        <p:txBody>
-          <a:bodyPr/>
-          <a:lstStyle/>
-          <a:p>
-            <a:r>
-              <a:rPr lang="en-US" altLang="zh-TW" dirty="0"/>
-              <a:t>Provider</a:t>
-            </a:r>
-          </a:p>
-          <a:p>
-            <a:r>
-              <a:rPr lang="en-US" altLang="zh-TW" dirty="0"/>
-              <a:t>Connect</a:t>
-            </a:r>
-          </a:p>
-          <a:p>
-            <a:r>
-              <a:rPr lang="en-US" altLang="zh-TW" dirty="0" err="1"/>
-              <a:t>mapStateToProps</a:t>
-            </a:r>
-            <a:endParaRPr lang="zh-TW" altLang="en-US" dirty="0"/>
-          </a:p>
-        </p:txBody>
-      </p:sp>
-    </p:spTree>
-    <p:extLst>
-      <p:ext uri="{BB962C8B-B14F-4D97-AF65-F5344CB8AC3E}">
-        <p14:creationId xmlns:p14="http://schemas.microsoft.com/office/powerpoint/2010/main" val="760369392"/>
-      </p:ext>
-    </p:extLst>
-  </p:cSld>
-  <p:clrMapOvr>
-    <a:masterClrMapping/>
-  </p:clrMapOvr>
-</p:sld>
-</file>
-
-<file path=ppt/slides/slide9.xml><?xml version="1.0" encoding="utf-8"?>
-<p:sld xmlns:a="http://schemas.openxmlformats.org/drawingml/2006/main" xmlns:r="http://schemas.openxmlformats.org/officeDocument/2006/relationships" xmlns:p="http://schemas.openxmlformats.org/presentationml/2006/main">
-  <p:cSld>
-    <p:spTree>
-      <p:nvGrpSpPr>
-        <p:cNvPr id="1" name=""/>
-        <p:cNvGrpSpPr/>
-        <p:nvPr/>
-      </p:nvGrpSpPr>
-      <p:grpSpPr>
-        <a:xfrm>
-          <a:off x="0" y="0"/>
-          <a:ext cx="0" cy="0"/>
-          <a:chOff x="0" y="0"/>
-          <a:chExt cx="0" cy="0"/>
-        </a:xfrm>
-      </p:grpSpPr>
-      <p:sp>
-        <p:nvSpPr>
-          <p:cNvPr id="2" name="標題 1">
-            <a:extLst>
-              <a:ext uri="{FF2B5EF4-FFF2-40B4-BE49-F238E27FC236}">
-                <a16:creationId xmlns:a16="http://schemas.microsoft.com/office/drawing/2014/main" id="{CEEDD4F0-E4AE-4C42-AD0E-65F2294648C4}"/>
-              </a:ext>
-            </a:extLst>
-          </p:cNvPr>
-          <p:cNvSpPr>
-            <a:spLocks noGrp="1"/>
-          </p:cNvSpPr>
-          <p:nvPr>
-            <p:ph type="title"/>
-          </p:nvPr>
-        </p:nvSpPr>
-        <p:spPr/>
-        <p:txBody>
-          <a:bodyPr/>
-          <a:lstStyle/>
-          <a:p>
-            <a:endParaRPr lang="zh-TW" altLang="en-US"/>
           </a:p>
         </p:txBody>
       </p:sp>
